--- a/프론트엔드기초(PPT)/HTML5 6강_시맨틱태그.pptx
+++ b/프론트엔드기초(PPT)/HTML5 6강_시맨틱태그.pptx
@@ -294,7 +294,7 @@
           <a:p>
             <a:fld id="{FB30EDBD-1C2D-4C1E-B459-B60219FAB484}" type="datetimeFigureOut">
               <a:rPr lang="ko-KR" altLang="en-US" smtClean="0"/>
-              <a:t>2020-05-03</a:t>
+              <a:t>2020-09-19</a:t>
             </a:fld>
             <a:endParaRPr lang="ko-KR" altLang="en-US"/>
           </a:p>
@@ -459,7 +459,7 @@
           <a:p>
             <a:fld id="{FB30EDBD-1C2D-4C1E-B459-B60219FAB484}" type="datetimeFigureOut">
               <a:rPr lang="ko-KR" altLang="en-US" smtClean="0"/>
-              <a:t>2020-05-03</a:t>
+              <a:t>2020-09-19</a:t>
             </a:fld>
             <a:endParaRPr lang="ko-KR" altLang="en-US"/>
           </a:p>
@@ -634,7 +634,7 @@
           <a:p>
             <a:fld id="{FB30EDBD-1C2D-4C1E-B459-B60219FAB484}" type="datetimeFigureOut">
               <a:rPr lang="ko-KR" altLang="en-US" smtClean="0"/>
-              <a:t>2020-05-03</a:t>
+              <a:t>2020-09-19</a:t>
             </a:fld>
             <a:endParaRPr lang="ko-KR" altLang="en-US"/>
           </a:p>
@@ -799,7 +799,7 @@
           <a:p>
             <a:fld id="{FB30EDBD-1C2D-4C1E-B459-B60219FAB484}" type="datetimeFigureOut">
               <a:rPr lang="ko-KR" altLang="en-US" smtClean="0"/>
-              <a:t>2020-05-03</a:t>
+              <a:t>2020-09-19</a:t>
             </a:fld>
             <a:endParaRPr lang="ko-KR" altLang="en-US"/>
           </a:p>
@@ -1040,7 +1040,7 @@
           <a:p>
             <a:fld id="{FB30EDBD-1C2D-4C1E-B459-B60219FAB484}" type="datetimeFigureOut">
               <a:rPr lang="ko-KR" altLang="en-US" smtClean="0"/>
-              <a:t>2020-05-03</a:t>
+              <a:t>2020-09-19</a:t>
             </a:fld>
             <a:endParaRPr lang="ko-KR" altLang="en-US"/>
           </a:p>
@@ -1323,7 +1323,7 @@
           <a:p>
             <a:fld id="{FB30EDBD-1C2D-4C1E-B459-B60219FAB484}" type="datetimeFigureOut">
               <a:rPr lang="ko-KR" altLang="en-US" smtClean="0"/>
-              <a:t>2020-05-03</a:t>
+              <a:t>2020-09-19</a:t>
             </a:fld>
             <a:endParaRPr lang="ko-KR" altLang="en-US"/>
           </a:p>
@@ -1740,7 +1740,7 @@
           <a:p>
             <a:fld id="{FB30EDBD-1C2D-4C1E-B459-B60219FAB484}" type="datetimeFigureOut">
               <a:rPr lang="ko-KR" altLang="en-US" smtClean="0"/>
-              <a:t>2020-05-03</a:t>
+              <a:t>2020-09-19</a:t>
             </a:fld>
             <a:endParaRPr lang="ko-KR" altLang="en-US"/>
           </a:p>
@@ -1853,7 +1853,7 @@
           <a:p>
             <a:fld id="{FB30EDBD-1C2D-4C1E-B459-B60219FAB484}" type="datetimeFigureOut">
               <a:rPr lang="ko-KR" altLang="en-US" smtClean="0"/>
-              <a:t>2020-05-03</a:t>
+              <a:t>2020-09-19</a:t>
             </a:fld>
             <a:endParaRPr lang="ko-KR" altLang="en-US"/>
           </a:p>
@@ -1943,7 +1943,7 @@
           <a:p>
             <a:fld id="{FB30EDBD-1C2D-4C1E-B459-B60219FAB484}" type="datetimeFigureOut">
               <a:rPr lang="ko-KR" altLang="en-US" smtClean="0"/>
-              <a:t>2020-05-03</a:t>
+              <a:t>2020-09-19</a:t>
             </a:fld>
             <a:endParaRPr lang="ko-KR" altLang="en-US"/>
           </a:p>
@@ -2215,7 +2215,7 @@
           <a:p>
             <a:fld id="{FB30EDBD-1C2D-4C1E-B459-B60219FAB484}" type="datetimeFigureOut">
               <a:rPr lang="ko-KR" altLang="en-US" smtClean="0"/>
-              <a:t>2020-05-03</a:t>
+              <a:t>2020-09-19</a:t>
             </a:fld>
             <a:endParaRPr lang="ko-KR" altLang="en-US"/>
           </a:p>
@@ -2463,7 +2463,7 @@
           <a:p>
             <a:fld id="{FB30EDBD-1C2D-4C1E-B459-B60219FAB484}" type="datetimeFigureOut">
               <a:rPr lang="ko-KR" altLang="en-US" smtClean="0"/>
-              <a:t>2020-05-03</a:t>
+              <a:t>2020-09-19</a:t>
             </a:fld>
             <a:endParaRPr lang="ko-KR" altLang="en-US"/>
           </a:p>
@@ -2671,7 +2671,7 @@
           <a:p>
             <a:fld id="{FB30EDBD-1C2D-4C1E-B459-B60219FAB484}" type="datetimeFigureOut">
               <a:rPr lang="ko-KR" altLang="en-US" smtClean="0"/>
-              <a:t>2020-05-03</a:t>
+              <a:t>2020-09-19</a:t>
             </a:fld>
             <a:endParaRPr lang="ko-KR" altLang="en-US"/>
           </a:p>
@@ -3027,6 +3027,14 @@
 <file path=ppt/slides/slide1.xml><?xml version="1.0" encoding="utf-8"?>
 <p:sld xmlns:a="http://schemas.openxmlformats.org/drawingml/2006/main" xmlns:r="http://schemas.openxmlformats.org/officeDocument/2006/relationships" xmlns:p="http://schemas.openxmlformats.org/presentationml/2006/main">
   <p:cSld>
+    <p:bg>
+      <p:bgPr>
+        <a:solidFill>
+          <a:schemeClr val="accent5"/>
+        </a:solidFill>
+        <a:effectLst/>
+      </p:bgPr>
+    </p:bg>
     <p:spTree>
       <p:nvGrpSpPr>
         <p:cNvPr id="1" name=""/>
@@ -3061,7 +3069,7 @@
             <a:r>
               <a:rPr lang="en-US" altLang="ko-KR" sz="2800" dirty="0" smtClean="0">
                 <a:solidFill>
-                  <a:schemeClr val="accent5"/>
+                  <a:schemeClr val="bg1"/>
                 </a:solidFill>
                 <a:latin typeface="배달의민족 주아" pitchFamily="18" charset="-127"/>
                 <a:ea typeface="배달의민족 주아" pitchFamily="18" charset="-127"/>
@@ -3071,7 +3079,7 @@
             <a:r>
               <a:rPr lang="ko-KR" altLang="en-US" sz="2800" dirty="0" smtClean="0">
                 <a:solidFill>
-                  <a:schemeClr val="accent5"/>
+                  <a:schemeClr val="bg1"/>
                 </a:solidFill>
                 <a:latin typeface="배달의민족 주아" pitchFamily="18" charset="-127"/>
                 <a:ea typeface="배달의민족 주아" pitchFamily="18" charset="-127"/>
@@ -3081,7 +3089,7 @@
             <a:r>
               <a:rPr lang="en-US" altLang="ko-KR" sz="2800" dirty="0" smtClean="0">
                 <a:solidFill>
-                  <a:schemeClr val="accent5"/>
+                  <a:schemeClr val="bg1"/>
                 </a:solidFill>
                 <a:latin typeface="배달의민족 주아" pitchFamily="18" charset="-127"/>
                 <a:ea typeface="배달의민족 주아" pitchFamily="18" charset="-127"/>
@@ -3091,7 +3099,7 @@
             <a:br>
               <a:rPr lang="en-US" altLang="ko-KR" sz="2800" dirty="0" smtClean="0">
                 <a:solidFill>
-                  <a:schemeClr val="accent5"/>
+                  <a:schemeClr val="bg1"/>
                 </a:solidFill>
                 <a:latin typeface="배달의민족 주아" pitchFamily="18" charset="-127"/>
                 <a:ea typeface="배달의민족 주아" pitchFamily="18" charset="-127"/>
@@ -3099,6 +3107,9 @@
             </a:br>
             <a:r>
               <a:rPr lang="en-US" altLang="ko-KR" dirty="0" smtClean="0">
+                <a:solidFill>
+                  <a:schemeClr val="bg1"/>
+                </a:solidFill>
                 <a:latin typeface="배달의민족 주아" pitchFamily="18" charset="-127"/>
                 <a:ea typeface="배달의민족 주아" pitchFamily="18" charset="-127"/>
               </a:rPr>
@@ -3106,12 +3117,18 @@
             </a:r>
             <a:br>
               <a:rPr lang="en-US" altLang="ko-KR" dirty="0" smtClean="0">
+                <a:solidFill>
+                  <a:schemeClr val="bg1"/>
+                </a:solidFill>
                 <a:latin typeface="배달의민족 주아" pitchFamily="18" charset="-127"/>
                 <a:ea typeface="배달의민족 주아" pitchFamily="18" charset="-127"/>
               </a:rPr>
             </a:br>
             <a:r>
               <a:rPr lang="ko-KR" altLang="en-US" dirty="0" err="1" smtClean="0">
+                <a:solidFill>
+                  <a:schemeClr val="bg1"/>
+                </a:solidFill>
                 <a:latin typeface="배달의민족 주아" pitchFamily="18" charset="-127"/>
                 <a:ea typeface="배달의민족 주아" pitchFamily="18" charset="-127"/>
               </a:rPr>
@@ -3119,33 +3136,28 @@
             </a:r>
             <a:r>
               <a:rPr lang="ko-KR" altLang="en-US" dirty="0" smtClean="0">
+                <a:solidFill>
+                  <a:schemeClr val="bg1"/>
+                </a:solidFill>
                 <a:latin typeface="배달의민족 주아" pitchFamily="18" charset="-127"/>
                 <a:ea typeface="배달의민족 주아" pitchFamily="18" charset="-127"/>
               </a:rPr>
               <a:t> 태그</a:t>
             </a:r>
             <a:r>
-              <a:rPr lang="en-US" altLang="ko-KR" smtClean="0">
+              <a:rPr lang="en-US" altLang="ko-KR" dirty="0" smtClean="0">
+                <a:solidFill>
+                  <a:schemeClr val="bg1"/>
+                </a:solidFill>
                 <a:latin typeface="배달의민족 주아" pitchFamily="18" charset="-127"/>
                 <a:ea typeface="배달의민족 주아" pitchFamily="18" charset="-127"/>
               </a:rPr>
-              <a:t>(</a:t>
-            </a:r>
-            <a:r>
-              <a:rPr lang="en-US" altLang="ko-KR" smtClean="0">
-                <a:latin typeface="배달의민족 주아" pitchFamily="18" charset="-127"/>
-                <a:ea typeface="배달의민족 주아" pitchFamily="18" charset="-127"/>
-              </a:rPr>
-              <a:t>Semantic </a:t>
-            </a:r>
-            <a:r>
-              <a:rPr lang="en-US" altLang="ko-KR" dirty="0" smtClean="0">
-                <a:latin typeface="배달의민족 주아" pitchFamily="18" charset="-127"/>
-                <a:ea typeface="배달의민족 주아" pitchFamily="18" charset="-127"/>
-              </a:rPr>
-              <a:t>Tag)</a:t>
+              <a:t>(Semantic Tag)</a:t>
             </a:r>
             <a:endParaRPr lang="ko-KR" altLang="en-US" dirty="0">
+              <a:solidFill>
+                <a:schemeClr val="bg1"/>
+              </a:solidFill>
               <a:latin typeface="배달의민족 주아" pitchFamily="18" charset="-127"/>
               <a:ea typeface="배달의민족 주아" pitchFamily="18" charset="-127"/>
             </a:endParaRPr>
@@ -3271,7 +3283,7 @@
             <a:r>
               <a:rPr lang="en-US" altLang="ko-KR" dirty="0" smtClean="0">
                 <a:solidFill>
-                  <a:schemeClr val="accent5"/>
+                  <a:schemeClr val="bg1"/>
                 </a:solidFill>
                 <a:latin typeface="배달의민족 도현" pitchFamily="50" charset="-127"/>
                 <a:ea typeface="배달의민족 도현" pitchFamily="50" charset="-127"/>
@@ -3288,7 +3300,7 @@
             <a:r>
               <a:rPr lang="en-US" altLang="ko-KR" dirty="0" smtClean="0">
                 <a:solidFill>
-                  <a:schemeClr val="accent5"/>
+                  <a:schemeClr val="bg1"/>
                 </a:solidFill>
                 <a:latin typeface="배달의민족 도현" pitchFamily="50" charset="-127"/>
                 <a:ea typeface="배달의민족 도현" pitchFamily="50" charset="-127"/>
